--- a/TimeGating/Time gating algorithm.pptx
+++ b/TimeGating/Time gating algorithm.pptx
@@ -13,8 +13,11 @@
     <p:sldId id="263" r:id="rId7"/>
     <p:sldId id="264" r:id="rId8"/>
     <p:sldId id="265" r:id="rId9"/>
-    <p:sldId id="260" r:id="rId10"/>
-    <p:sldId id="261" r:id="rId11"/>
+    <p:sldId id="266" r:id="rId10"/>
+    <p:sldId id="267" r:id="rId11"/>
+    <p:sldId id="268" r:id="rId12"/>
+    <p:sldId id="260" r:id="rId13"/>
+    <p:sldId id="261" r:id="rId14"/>
   </p:sldIdLst>
   <p:sldSz cx="12192000" cy="6858000"/>
   <p:notesSz cx="6858000" cy="9144000"/>
@@ -252,7 +255,7 @@
           <a:p>
             <a:fld id="{46AE1297-D86A-4305-946D-DB91C21EB534}" type="datetimeFigureOut">
               <a:rPr lang="es-CO" smtClean="0"/>
-              <a:t>15/11/2016</a:t>
+              <a:t>25/01/2018</a:t>
             </a:fld>
             <a:endParaRPr lang="es-CO"/>
           </a:p>
@@ -422,7 +425,7 @@
           <a:p>
             <a:fld id="{46AE1297-D86A-4305-946D-DB91C21EB534}" type="datetimeFigureOut">
               <a:rPr lang="es-CO" smtClean="0"/>
-              <a:t>15/11/2016</a:t>
+              <a:t>25/01/2018</a:t>
             </a:fld>
             <a:endParaRPr lang="es-CO"/>
           </a:p>
@@ -602,7 +605,7 @@
           <a:p>
             <a:fld id="{46AE1297-D86A-4305-946D-DB91C21EB534}" type="datetimeFigureOut">
               <a:rPr lang="es-CO" smtClean="0"/>
-              <a:t>15/11/2016</a:t>
+              <a:t>25/01/2018</a:t>
             </a:fld>
             <a:endParaRPr lang="es-CO"/>
           </a:p>
@@ -772,7 +775,7 @@
           <a:p>
             <a:fld id="{46AE1297-D86A-4305-946D-DB91C21EB534}" type="datetimeFigureOut">
               <a:rPr lang="es-CO" smtClean="0"/>
-              <a:t>15/11/2016</a:t>
+              <a:t>25/01/2018</a:t>
             </a:fld>
             <a:endParaRPr lang="es-CO"/>
           </a:p>
@@ -1018,7 +1021,7 @@
           <a:p>
             <a:fld id="{46AE1297-D86A-4305-946D-DB91C21EB534}" type="datetimeFigureOut">
               <a:rPr lang="es-CO" smtClean="0"/>
-              <a:t>15/11/2016</a:t>
+              <a:t>25/01/2018</a:t>
             </a:fld>
             <a:endParaRPr lang="es-CO"/>
           </a:p>
@@ -1250,7 +1253,7 @@
           <a:p>
             <a:fld id="{46AE1297-D86A-4305-946D-DB91C21EB534}" type="datetimeFigureOut">
               <a:rPr lang="es-CO" smtClean="0"/>
-              <a:t>15/11/2016</a:t>
+              <a:t>25/01/2018</a:t>
             </a:fld>
             <a:endParaRPr lang="es-CO"/>
           </a:p>
@@ -1617,7 +1620,7 @@
           <a:p>
             <a:fld id="{46AE1297-D86A-4305-946D-DB91C21EB534}" type="datetimeFigureOut">
               <a:rPr lang="es-CO" smtClean="0"/>
-              <a:t>15/11/2016</a:t>
+              <a:t>25/01/2018</a:t>
             </a:fld>
             <a:endParaRPr lang="es-CO"/>
           </a:p>
@@ -1735,7 +1738,7 @@
           <a:p>
             <a:fld id="{46AE1297-D86A-4305-946D-DB91C21EB534}" type="datetimeFigureOut">
               <a:rPr lang="es-CO" smtClean="0"/>
-              <a:t>15/11/2016</a:t>
+              <a:t>25/01/2018</a:t>
             </a:fld>
             <a:endParaRPr lang="es-CO"/>
           </a:p>
@@ -1830,7 +1833,7 @@
           <a:p>
             <a:fld id="{46AE1297-D86A-4305-946D-DB91C21EB534}" type="datetimeFigureOut">
               <a:rPr lang="es-CO" smtClean="0"/>
-              <a:t>15/11/2016</a:t>
+              <a:t>25/01/2018</a:t>
             </a:fld>
             <a:endParaRPr lang="es-CO"/>
           </a:p>
@@ -2107,7 +2110,7 @@
           <a:p>
             <a:fld id="{46AE1297-D86A-4305-946D-DB91C21EB534}" type="datetimeFigureOut">
               <a:rPr lang="es-CO" smtClean="0"/>
-              <a:t>15/11/2016</a:t>
+              <a:t>25/01/2018</a:t>
             </a:fld>
             <a:endParaRPr lang="es-CO"/>
           </a:p>
@@ -2360,7 +2363,7 @@
           <a:p>
             <a:fld id="{46AE1297-D86A-4305-946D-DB91C21EB534}" type="datetimeFigureOut">
               <a:rPr lang="es-CO" smtClean="0"/>
-              <a:t>15/11/2016</a:t>
+              <a:t>25/01/2018</a:t>
             </a:fld>
             <a:endParaRPr lang="es-CO"/>
           </a:p>
@@ -2573,7 +2576,7 @@
           <a:p>
             <a:fld id="{46AE1297-D86A-4305-946D-DB91C21EB534}" type="datetimeFigureOut">
               <a:rPr lang="es-CO" smtClean="0"/>
-              <a:t>15/11/2016</a:t>
+              <a:t>25/01/2018</a:t>
             </a:fld>
             <a:endParaRPr lang="es-CO"/>
           </a:p>
@@ -3091,6 +3094,373 @@
         </p:nvSpPr>
         <p:spPr/>
         <p:txBody>
+          <a:bodyPr>
+            <a:noAutofit/>
+          </a:bodyPr>
+          <a:lstStyle/>
+          <a:p>
+            <a:r>
+              <a:rPr lang="es-CO" sz="3600" dirty="0"/>
+              <a:t>Use </a:t>
+            </a:r>
+            <a:r>
+              <a:rPr lang="es-CO" sz="3600" dirty="0" err="1"/>
+              <a:t>examples</a:t>
+            </a:r>
+            <a:r>
+              <a:rPr lang="es-CO" sz="3600" dirty="0"/>
+              <a:t>: </a:t>
+            </a:r>
+            <a:r>
+              <a:rPr lang="es-CO" sz="3600" dirty="0" err="1" smtClean="0"/>
+              <a:t>circuit</a:t>
+            </a:r>
+            <a:r>
+              <a:rPr lang="es-CO" sz="3600" dirty="0" smtClean="0"/>
+              <a:t> </a:t>
+            </a:r>
+            <a:r>
+              <a:rPr lang="es-CO" sz="3600" dirty="0" err="1" smtClean="0"/>
+              <a:t>with</a:t>
+            </a:r>
+            <a:r>
+              <a:rPr lang="es-CO" sz="3600" dirty="0" smtClean="0"/>
+              <a:t> 3 </a:t>
+            </a:r>
+            <a:r>
+              <a:rPr lang="es-CO" sz="3600" dirty="0" err="1" smtClean="0"/>
+              <a:t>lines</a:t>
+            </a:r>
+            <a:r>
+              <a:rPr lang="es-CO" sz="3600" dirty="0" smtClean="0"/>
+              <a:t> and 2 </a:t>
+            </a:r>
+            <a:r>
+              <a:rPr lang="es-CO" sz="3600" dirty="0" err="1" smtClean="0"/>
+              <a:t>capacitors</a:t>
+            </a:r>
+            <a:r>
+              <a:rPr lang="es-CO" sz="3600" dirty="0" smtClean="0"/>
+              <a:t>, </a:t>
+            </a:r>
+            <a:r>
+              <a:rPr lang="en-US" sz="3600" dirty="0" smtClean="0"/>
+              <a:t>Ch4 </a:t>
+            </a:r>
+            <a:r>
+              <a:rPr lang="en-US" sz="3600" dirty="0"/>
+              <a:t>of Handbook of Microwave Component Measurements (with Advanced VNA Techniques</a:t>
+            </a:r>
+            <a:r>
+              <a:rPr lang="en-US" sz="3600" dirty="0" smtClean="0"/>
+              <a:t>)</a:t>
+            </a:r>
+            <a:endParaRPr lang="es-CO" sz="3600" dirty="0"/>
+          </a:p>
+        </p:txBody>
+      </p:sp>
+      <p:pic>
+        <p:nvPicPr>
+          <p:cNvPr id="5" name="Marcador de contenido 4"/>
+          <p:cNvPicPr>
+            <a:picLocks noGrp="1" noChangeAspect="1"/>
+          </p:cNvPicPr>
+          <p:nvPr>
+            <p:ph sz="half" idx="1"/>
+          </p:nvPr>
+        </p:nvPicPr>
+        <p:blipFill>
+          <a:blip r:embed="rId2"/>
+          <a:stretch>
+            <a:fillRect/>
+          </a:stretch>
+        </p:blipFill>
+        <p:spPr>
+          <a:xfrm>
+            <a:off x="838200" y="2058194"/>
+            <a:ext cx="5181600" cy="3886200"/>
+          </a:xfrm>
+          <a:prstGeom prst="rect">
+            <a:avLst/>
+          </a:prstGeom>
+        </p:spPr>
+      </p:pic>
+      <p:pic>
+        <p:nvPicPr>
+          <p:cNvPr id="6" name="Marcador de contenido 5"/>
+          <p:cNvPicPr>
+            <a:picLocks noGrp="1" noChangeAspect="1"/>
+          </p:cNvPicPr>
+          <p:nvPr>
+            <p:ph sz="half" idx="2"/>
+          </p:nvPr>
+        </p:nvPicPr>
+        <p:blipFill>
+          <a:blip r:embed="rId3"/>
+          <a:stretch>
+            <a:fillRect/>
+          </a:stretch>
+        </p:blipFill>
+        <p:spPr>
+          <a:xfrm>
+            <a:off x="6172200" y="2058194"/>
+            <a:ext cx="5181600" cy="3886200"/>
+          </a:xfrm>
+          <a:prstGeom prst="rect">
+            <a:avLst/>
+          </a:prstGeom>
+        </p:spPr>
+      </p:pic>
+    </p:spTree>
+    <p:extLst>
+      <p:ext uri="{BB962C8B-B14F-4D97-AF65-F5344CB8AC3E}">
+        <p14:creationId xmlns:p14="http://schemas.microsoft.com/office/powerpoint/2010/main" val="907520200"/>
+      </p:ext>
+    </p:extLst>
+  </p:cSld>
+  <p:clrMapOvr>
+    <a:masterClrMapping/>
+  </p:clrMapOvr>
+</p:sld>
+</file>
+
+<file path=ppt/slides/slide11.xml><?xml version="1.0" encoding="utf-8"?>
+<p:sld xmlns:a="http://schemas.openxmlformats.org/drawingml/2006/main" xmlns:r="http://schemas.openxmlformats.org/officeDocument/2006/relationships" xmlns:p="http://schemas.openxmlformats.org/presentationml/2006/main">
+  <p:cSld>
+    <p:spTree>
+      <p:nvGrpSpPr>
+        <p:cNvPr id="1" name=""/>
+        <p:cNvGrpSpPr/>
+        <p:nvPr/>
+      </p:nvGrpSpPr>
+      <p:grpSpPr>
+        <a:xfrm>
+          <a:off x="0" y="0"/>
+          <a:ext cx="0" cy="0"/>
+          <a:chOff x="0" y="0"/>
+          <a:chExt cx="0" cy="0"/>
+        </a:xfrm>
+      </p:grpSpPr>
+      <p:sp>
+        <p:nvSpPr>
+          <p:cNvPr id="2" name="Título 1"/>
+          <p:cNvSpPr>
+            <a:spLocks noGrp="1"/>
+          </p:cNvSpPr>
+          <p:nvPr>
+            <p:ph type="title"/>
+          </p:nvPr>
+        </p:nvSpPr>
+        <p:spPr/>
+        <p:txBody>
+          <a:bodyPr/>
+          <a:lstStyle/>
+          <a:p>
+            <a:endParaRPr lang="es-CO"/>
+          </a:p>
+        </p:txBody>
+      </p:sp>
+      <p:pic>
+        <p:nvPicPr>
+          <p:cNvPr id="5" name="Marcador de contenido 4"/>
+          <p:cNvPicPr>
+            <a:picLocks noGrp="1" noChangeAspect="1"/>
+          </p:cNvPicPr>
+          <p:nvPr>
+            <p:ph sz="half" idx="1"/>
+          </p:nvPr>
+        </p:nvPicPr>
+        <p:blipFill>
+          <a:blip r:embed="rId2"/>
+          <a:stretch>
+            <a:fillRect/>
+          </a:stretch>
+        </p:blipFill>
+        <p:spPr>
+          <a:xfrm>
+            <a:off x="838200" y="2058194"/>
+            <a:ext cx="5181600" cy="3886200"/>
+          </a:xfrm>
+          <a:prstGeom prst="rect">
+            <a:avLst/>
+          </a:prstGeom>
+        </p:spPr>
+      </p:pic>
+      <p:pic>
+        <p:nvPicPr>
+          <p:cNvPr id="6" name="Marcador de contenido 5"/>
+          <p:cNvPicPr>
+            <a:picLocks noGrp="1" noChangeAspect="1"/>
+          </p:cNvPicPr>
+          <p:nvPr>
+            <p:ph sz="half" idx="2"/>
+          </p:nvPr>
+        </p:nvPicPr>
+        <p:blipFill>
+          <a:blip r:embed="rId3"/>
+          <a:stretch>
+            <a:fillRect/>
+          </a:stretch>
+        </p:blipFill>
+        <p:spPr>
+          <a:xfrm>
+            <a:off x="6172200" y="2058194"/>
+            <a:ext cx="5181600" cy="3886200"/>
+          </a:xfrm>
+          <a:prstGeom prst="rect">
+            <a:avLst/>
+          </a:prstGeom>
+        </p:spPr>
+      </p:pic>
+    </p:spTree>
+    <p:extLst>
+      <p:ext uri="{BB962C8B-B14F-4D97-AF65-F5344CB8AC3E}">
+        <p14:creationId xmlns:p14="http://schemas.microsoft.com/office/powerpoint/2010/main" val="605627626"/>
+      </p:ext>
+    </p:extLst>
+  </p:cSld>
+  <p:clrMapOvr>
+    <a:masterClrMapping/>
+  </p:clrMapOvr>
+</p:sld>
+</file>
+
+<file path=ppt/slides/slide12.xml><?xml version="1.0" encoding="utf-8"?>
+<p:sld xmlns:a="http://schemas.openxmlformats.org/drawingml/2006/main" xmlns:r="http://schemas.openxmlformats.org/officeDocument/2006/relationships" xmlns:p="http://schemas.openxmlformats.org/presentationml/2006/main">
+  <p:cSld>
+    <p:spTree>
+      <p:nvGrpSpPr>
+        <p:cNvPr id="1" name=""/>
+        <p:cNvGrpSpPr/>
+        <p:nvPr/>
+      </p:nvGrpSpPr>
+      <p:grpSpPr>
+        <a:xfrm>
+          <a:off x="0" y="0"/>
+          <a:ext cx="0" cy="0"/>
+          <a:chOff x="0" y="0"/>
+          <a:chExt cx="0" cy="0"/>
+        </a:xfrm>
+      </p:grpSpPr>
+      <p:sp>
+        <p:nvSpPr>
+          <p:cNvPr id="2" name="Título 1"/>
+          <p:cNvSpPr>
+            <a:spLocks noGrp="1"/>
+          </p:cNvSpPr>
+          <p:nvPr>
+            <p:ph type="title"/>
+          </p:nvPr>
+        </p:nvSpPr>
+        <p:spPr/>
+        <p:txBody>
+          <a:bodyPr/>
+          <a:lstStyle/>
+          <a:p>
+            <a:r>
+              <a:rPr lang="en-US" dirty="0" smtClean="0"/>
+              <a:t>Limitations</a:t>
+            </a:r>
+            <a:endParaRPr lang="en-US" dirty="0"/>
+          </a:p>
+        </p:txBody>
+      </p:sp>
+      <p:sp>
+        <p:nvSpPr>
+          <p:cNvPr id="3" name="Marcador de contenido 2"/>
+          <p:cNvSpPr>
+            <a:spLocks noGrp="1"/>
+          </p:cNvSpPr>
+          <p:nvPr>
+            <p:ph idx="1"/>
+          </p:nvPr>
+        </p:nvSpPr>
+        <p:spPr/>
+        <p:txBody>
+          <a:bodyPr/>
+          <a:lstStyle/>
+          <a:p>
+            <a:r>
+              <a:rPr lang="en-US" dirty="0" smtClean="0"/>
+              <a:t>In order to use time domain effectively, you must be aware of its limitations and ambiguities. </a:t>
+            </a:r>
+          </a:p>
+          <a:p>
+            <a:pPr lvl="1"/>
+            <a:r>
+              <a:rPr lang="en-US" dirty="0" smtClean="0"/>
+              <a:t>Measurement range (alias-free).</a:t>
+            </a:r>
+          </a:p>
+          <a:p>
+            <a:pPr lvl="1"/>
+            <a:r>
+              <a:rPr lang="en-US" dirty="0"/>
+              <a:t>R</a:t>
+            </a:r>
+            <a:r>
+              <a:rPr lang="en-US" dirty="0" smtClean="0"/>
+              <a:t>esolution (response resolution and range resolution).</a:t>
+            </a:r>
+          </a:p>
+          <a:p>
+            <a:pPr lvl="1"/>
+            <a:r>
+              <a:rPr lang="en-US" dirty="0"/>
+              <a:t>E</a:t>
+            </a:r>
+            <a:r>
+              <a:rPr lang="en-US" dirty="0" smtClean="0"/>
+              <a:t>ffects of masking when dealing with multiple discontinuities.</a:t>
+            </a:r>
+          </a:p>
+          <a:p>
+            <a:endParaRPr lang="en-US" dirty="0"/>
+          </a:p>
+        </p:txBody>
+      </p:sp>
+    </p:spTree>
+    <p:extLst>
+      <p:ext uri="{BB962C8B-B14F-4D97-AF65-F5344CB8AC3E}">
+        <p14:creationId xmlns:p14="http://schemas.microsoft.com/office/powerpoint/2010/main" val="269455492"/>
+      </p:ext>
+    </p:extLst>
+  </p:cSld>
+  <p:clrMapOvr>
+    <a:masterClrMapping/>
+  </p:clrMapOvr>
+</p:sld>
+</file>
+
+<file path=ppt/slides/slide13.xml><?xml version="1.0" encoding="utf-8"?>
+<p:sld xmlns:a="http://schemas.openxmlformats.org/drawingml/2006/main" xmlns:r="http://schemas.openxmlformats.org/officeDocument/2006/relationships" xmlns:p="http://schemas.openxmlformats.org/presentationml/2006/main">
+  <p:cSld>
+    <p:spTree>
+      <p:nvGrpSpPr>
+        <p:cNvPr id="1" name=""/>
+        <p:cNvGrpSpPr/>
+        <p:nvPr/>
+      </p:nvGrpSpPr>
+      <p:grpSpPr>
+        <a:xfrm>
+          <a:off x="0" y="0"/>
+          <a:ext cx="0" cy="0"/>
+          <a:chOff x="0" y="0"/>
+          <a:chExt cx="0" cy="0"/>
+        </a:xfrm>
+      </p:grpSpPr>
+      <p:sp>
+        <p:nvSpPr>
+          <p:cNvPr id="2" name="Título 1"/>
+          <p:cNvSpPr>
+            <a:spLocks noGrp="1"/>
+          </p:cNvSpPr>
+          <p:nvPr>
+            <p:ph type="title"/>
+          </p:nvPr>
+        </p:nvSpPr>
+        <p:spPr/>
+        <p:txBody>
           <a:bodyPr/>
           <a:lstStyle/>
           <a:p>
@@ -7244,48 +7614,82 @@
               <a:rPr lang="es-CO" dirty="0" err="1" smtClean="0"/>
               <a:t>examples</a:t>
             </a:r>
+            <a:r>
+              <a:rPr lang="es-CO" dirty="0" smtClean="0"/>
+              <a:t>: </a:t>
+            </a:r>
+            <a:r>
+              <a:rPr lang="es-CO" dirty="0" err="1" smtClean="0"/>
+              <a:t>transmissio</a:t>
+            </a:r>
+            <a:r>
+              <a:rPr lang="es-CO" dirty="0" err="1" smtClean="0"/>
+              <a:t>n</a:t>
+            </a:r>
+            <a:r>
+              <a:rPr lang="es-CO" dirty="0" smtClean="0"/>
+              <a:t> </a:t>
+            </a:r>
+            <a:r>
+              <a:rPr lang="es-CO" dirty="0" smtClean="0"/>
+              <a:t>line</a:t>
+            </a:r>
             <a:endParaRPr lang="es-CO" dirty="0"/>
           </a:p>
         </p:txBody>
       </p:sp>
-      <p:sp>
-        <p:nvSpPr>
-          <p:cNvPr id="3" name="Marcador de contenido 2"/>
-          <p:cNvSpPr>
-            <a:spLocks noGrp="1"/>
-          </p:cNvSpPr>
+      <p:pic>
+        <p:nvPicPr>
+          <p:cNvPr id="6" name="Marcador de contenido 5"/>
+          <p:cNvPicPr>
+            <a:picLocks noGrp="1" noChangeAspect="1"/>
+          </p:cNvPicPr>
+          <p:nvPr>
+            <p:ph sz="half" idx="2"/>
+          </p:nvPr>
+        </p:nvPicPr>
+        <p:blipFill>
+          <a:blip r:embed="rId2"/>
+          <a:stretch>
+            <a:fillRect/>
+          </a:stretch>
+        </p:blipFill>
+        <p:spPr>
+          <a:xfrm>
+            <a:off x="6172200" y="2058194"/>
+            <a:ext cx="5181600" cy="3886200"/>
+          </a:xfrm>
+          <a:prstGeom prst="rect">
+            <a:avLst/>
+          </a:prstGeom>
+        </p:spPr>
+      </p:pic>
+      <p:pic>
+        <p:nvPicPr>
+          <p:cNvPr id="8" name="Marcador de contenido 7"/>
+          <p:cNvPicPr>
+            <a:picLocks noGrp="1" noChangeAspect="1"/>
+          </p:cNvPicPr>
           <p:nvPr>
             <p:ph sz="half" idx="1"/>
           </p:nvPr>
-        </p:nvSpPr>
-        <p:spPr/>
-        <p:txBody>
-          <a:bodyPr/>
-          <a:lstStyle/>
-          <a:p>
-            <a:endParaRPr lang="es-CO"/>
-          </a:p>
-        </p:txBody>
-      </p:sp>
-      <p:sp>
-        <p:nvSpPr>
-          <p:cNvPr id="4" name="Marcador de contenido 3"/>
-          <p:cNvSpPr>
-            <a:spLocks noGrp="1"/>
-          </p:cNvSpPr>
-          <p:nvPr>
-            <p:ph sz="half" idx="2"/>
-          </p:nvPr>
-        </p:nvSpPr>
-        <p:spPr/>
-        <p:txBody>
-          <a:bodyPr/>
-          <a:lstStyle/>
-          <a:p>
-            <a:endParaRPr lang="es-CO"/>
-          </a:p>
-        </p:txBody>
-      </p:sp>
+        </p:nvPicPr>
+        <p:blipFill>
+          <a:blip r:embed="rId3"/>
+          <a:stretch>
+            <a:fillRect/>
+          </a:stretch>
+        </p:blipFill>
+        <p:spPr>
+          <a:xfrm>
+            <a:off x="838200" y="2058194"/>
+            <a:ext cx="5181600" cy="3886200"/>
+          </a:xfrm>
+          <a:prstGeom prst="rect">
+            <a:avLst/>
+          </a:prstGeom>
+        </p:spPr>
+      </p:pic>
     </p:spTree>
     <p:extLst>
       <p:ext uri="{BB962C8B-B14F-4D97-AF65-F5344CB8AC3E}">
@@ -7331,72 +7735,66 @@
           <a:bodyPr/>
           <a:lstStyle/>
           <a:p>
-            <a:r>
-              <a:rPr lang="en-US" dirty="0" smtClean="0"/>
-              <a:t>Limitations</a:t>
-            </a:r>
-            <a:endParaRPr lang="en-US" dirty="0"/>
-          </a:p>
-        </p:txBody>
-      </p:sp>
-      <p:sp>
-        <p:nvSpPr>
-          <p:cNvPr id="3" name="Marcador de contenido 2"/>
-          <p:cNvSpPr>
-            <a:spLocks noGrp="1"/>
-          </p:cNvSpPr>
-          <p:nvPr>
-            <p:ph idx="1"/>
-          </p:nvPr>
-        </p:nvSpPr>
-        <p:spPr/>
-        <p:txBody>
-          <a:bodyPr/>
-          <a:lstStyle/>
-          <a:p>
-            <a:r>
-              <a:rPr lang="en-US" dirty="0" smtClean="0"/>
-              <a:t>In order to use time domain effectively, you must be aware of its limitations and ambiguities. </a:t>
-            </a:r>
-          </a:p>
-          <a:p>
-            <a:pPr lvl="1"/>
-            <a:r>
-              <a:rPr lang="en-US" dirty="0" smtClean="0"/>
-              <a:t>Measurement range (alias-free).</a:t>
-            </a:r>
-          </a:p>
-          <a:p>
-            <a:pPr lvl="1"/>
-            <a:r>
-              <a:rPr lang="en-US" dirty="0"/>
-              <a:t>R</a:t>
-            </a:r>
-            <a:r>
-              <a:rPr lang="en-US" dirty="0" smtClean="0"/>
-              <a:t>esolution (response resolution and range resolution).</a:t>
-            </a:r>
-          </a:p>
-          <a:p>
-            <a:pPr lvl="1"/>
-            <a:r>
-              <a:rPr lang="en-US" dirty="0"/>
-              <a:t>E</a:t>
-            </a:r>
-            <a:r>
-              <a:rPr lang="en-US" dirty="0" smtClean="0"/>
-              <a:t>ffects of masking when dealing with multiple discontinuities.</a:t>
-            </a:r>
-          </a:p>
-          <a:p>
-            <a:endParaRPr lang="en-US" dirty="0"/>
-          </a:p>
-        </p:txBody>
-      </p:sp>
+            <a:endParaRPr lang="es-CO" dirty="0"/>
+          </a:p>
+        </p:txBody>
+      </p:sp>
+      <p:pic>
+        <p:nvPicPr>
+          <p:cNvPr id="5" name="Marcador de contenido 4"/>
+          <p:cNvPicPr>
+            <a:picLocks noGrp="1" noChangeAspect="1"/>
+          </p:cNvPicPr>
+          <p:nvPr>
+            <p:ph sz="half" idx="1"/>
+          </p:nvPr>
+        </p:nvPicPr>
+        <p:blipFill>
+          <a:blip r:embed="rId2"/>
+          <a:stretch>
+            <a:fillRect/>
+          </a:stretch>
+        </p:blipFill>
+        <p:spPr>
+          <a:xfrm>
+            <a:off x="838200" y="2058194"/>
+            <a:ext cx="5181600" cy="3886200"/>
+          </a:xfrm>
+          <a:prstGeom prst="rect">
+            <a:avLst/>
+          </a:prstGeom>
+        </p:spPr>
+      </p:pic>
+      <p:pic>
+        <p:nvPicPr>
+          <p:cNvPr id="6" name="Marcador de contenido 5"/>
+          <p:cNvPicPr>
+            <a:picLocks noGrp="1" noChangeAspect="1"/>
+          </p:cNvPicPr>
+          <p:nvPr>
+            <p:ph sz="half" idx="2"/>
+          </p:nvPr>
+        </p:nvPicPr>
+        <p:blipFill>
+          <a:blip r:embed="rId3"/>
+          <a:stretch>
+            <a:fillRect/>
+          </a:stretch>
+        </p:blipFill>
+        <p:spPr>
+          <a:xfrm>
+            <a:off x="6172200" y="2058194"/>
+            <a:ext cx="5181600" cy="3886200"/>
+          </a:xfrm>
+          <a:prstGeom prst="rect">
+            <a:avLst/>
+          </a:prstGeom>
+        </p:spPr>
+      </p:pic>
     </p:spTree>
     <p:extLst>
       <p:ext uri="{BB962C8B-B14F-4D97-AF65-F5344CB8AC3E}">
-        <p14:creationId xmlns:p14="http://schemas.microsoft.com/office/powerpoint/2010/main" val="269455492"/>
+        <p14:creationId xmlns:p14="http://schemas.microsoft.com/office/powerpoint/2010/main" val="3311912799"/>
       </p:ext>
     </p:extLst>
   </p:cSld>
